--- a/Introduction to ML (final).pptx
+++ b/Introduction to ML (final).pptx
@@ -311,7 +311,7 @@
           <a:p>
             <a:fld id="{13CABBD4-775E-0A4A-A5A3-FA13C63F7CA4}" type="datetimeFigureOut">
               <a:rPr lang="da-DK" smtClean="0"/>
-              <a:t>17/04/2018</a:t>
+              <a:t>17-04-2018</a:t>
             </a:fld>
             <a:endParaRPr lang="da-DK"/>
           </a:p>
@@ -479,7 +479,7 @@
           <a:p>
             <a:fld id="{13CABBD4-775E-0A4A-A5A3-FA13C63F7CA4}" type="datetimeFigureOut">
               <a:rPr lang="da-DK" smtClean="0"/>
-              <a:t>17/04/2018</a:t>
+              <a:t>17-04-2018</a:t>
             </a:fld>
             <a:endParaRPr lang="da-DK"/>
           </a:p>
@@ -657,7 +657,7 @@
           <a:p>
             <a:fld id="{13CABBD4-775E-0A4A-A5A3-FA13C63F7CA4}" type="datetimeFigureOut">
               <a:rPr lang="da-DK" smtClean="0"/>
-              <a:t>17/04/2018</a:t>
+              <a:t>17-04-2018</a:t>
             </a:fld>
             <a:endParaRPr lang="da-DK"/>
           </a:p>
@@ -825,7 +825,7 @@
           <a:p>
             <a:fld id="{13CABBD4-775E-0A4A-A5A3-FA13C63F7CA4}" type="datetimeFigureOut">
               <a:rPr lang="da-DK" smtClean="0"/>
-              <a:t>17/04/2018</a:t>
+              <a:t>17-04-2018</a:t>
             </a:fld>
             <a:endParaRPr lang="da-DK"/>
           </a:p>
@@ -1070,7 +1070,7 @@
           <a:p>
             <a:fld id="{13CABBD4-775E-0A4A-A5A3-FA13C63F7CA4}" type="datetimeFigureOut">
               <a:rPr lang="da-DK" smtClean="0"/>
-              <a:t>17/04/2018</a:t>
+              <a:t>17-04-2018</a:t>
             </a:fld>
             <a:endParaRPr lang="da-DK"/>
           </a:p>
@@ -1355,7 +1355,7 @@
           <a:p>
             <a:fld id="{13CABBD4-775E-0A4A-A5A3-FA13C63F7CA4}" type="datetimeFigureOut">
               <a:rPr lang="da-DK" smtClean="0"/>
-              <a:t>17/04/2018</a:t>
+              <a:t>17-04-2018</a:t>
             </a:fld>
             <a:endParaRPr lang="da-DK"/>
           </a:p>
@@ -1774,7 +1774,7 @@
           <a:p>
             <a:fld id="{13CABBD4-775E-0A4A-A5A3-FA13C63F7CA4}" type="datetimeFigureOut">
               <a:rPr lang="da-DK" smtClean="0"/>
-              <a:t>17/04/2018</a:t>
+              <a:t>17-04-2018</a:t>
             </a:fld>
             <a:endParaRPr lang="da-DK"/>
           </a:p>
@@ -1891,7 +1891,7 @@
           <a:p>
             <a:fld id="{13CABBD4-775E-0A4A-A5A3-FA13C63F7CA4}" type="datetimeFigureOut">
               <a:rPr lang="da-DK" smtClean="0"/>
-              <a:t>17/04/2018</a:t>
+              <a:t>17-04-2018</a:t>
             </a:fld>
             <a:endParaRPr lang="da-DK"/>
           </a:p>
@@ -1986,7 +1986,7 @@
           <a:p>
             <a:fld id="{13CABBD4-775E-0A4A-A5A3-FA13C63F7CA4}" type="datetimeFigureOut">
               <a:rPr lang="da-DK" smtClean="0"/>
-              <a:t>17/04/2018</a:t>
+              <a:t>17-04-2018</a:t>
             </a:fld>
             <a:endParaRPr lang="da-DK"/>
           </a:p>
@@ -2261,7 +2261,7 @@
           <a:p>
             <a:fld id="{13CABBD4-775E-0A4A-A5A3-FA13C63F7CA4}" type="datetimeFigureOut">
               <a:rPr lang="da-DK" smtClean="0"/>
-              <a:t>17/04/2018</a:t>
+              <a:t>17-04-2018</a:t>
             </a:fld>
             <a:endParaRPr lang="da-DK"/>
           </a:p>
@@ -2513,7 +2513,7 @@
           <a:p>
             <a:fld id="{13CABBD4-775E-0A4A-A5A3-FA13C63F7CA4}" type="datetimeFigureOut">
               <a:rPr lang="da-DK" smtClean="0"/>
-              <a:t>17/04/2018</a:t>
+              <a:t>17-04-2018</a:t>
             </a:fld>
             <a:endParaRPr lang="da-DK"/>
           </a:p>
@@ -2724,7 +2724,7 @@
           <a:p>
             <a:fld id="{13CABBD4-775E-0A4A-A5A3-FA13C63F7CA4}" type="datetimeFigureOut">
               <a:rPr lang="da-DK" smtClean="0"/>
-              <a:t>17/04/2018</a:t>
+              <a:t>17-04-2018</a:t>
             </a:fld>
             <a:endParaRPr lang="da-DK"/>
           </a:p>
@@ -3457,7 +3457,7 @@
           <p:cNvPr id="7" name="Titel 1">
             <a:extLst>
               <a:ext uri="{FF2B5EF4-FFF2-40B4-BE49-F238E27FC236}">
-                <a16:creationId xmlns:a16="http://schemas.microsoft.com/office/drawing/2014/main" xmlns="" id="{55ED8728-4244-4DE1-BE7A-1479731F92F1}"/>
+                <a16:creationId xmlns:a16="http://schemas.microsoft.com/office/drawing/2014/main" id="{55ED8728-4244-4DE1-BE7A-1479731F92F1}"/>
               </a:ext>
             </a:extLst>
           </p:cNvPr>
@@ -3508,7 +3508,7 @@
           <p:cNvPr id="8" name="Undertitel 2">
             <a:extLst>
               <a:ext uri="{FF2B5EF4-FFF2-40B4-BE49-F238E27FC236}">
-                <a16:creationId xmlns:a16="http://schemas.microsoft.com/office/drawing/2014/main" xmlns="" id="{047D907E-9EB6-4F50-BE0F-112EC6397CA6}"/>
+                <a16:creationId xmlns:a16="http://schemas.microsoft.com/office/drawing/2014/main" id="{047D907E-9EB6-4F50-BE0F-112EC6397CA6}"/>
               </a:ext>
             </a:extLst>
           </p:cNvPr>
@@ -4620,28 +4620,28 @@
                 <a:gridCol w="1340486">
                   <a:extLst>
                     <a:ext uri="{9D8B030D-6E8A-4147-A177-3AD203B41FA5}">
-                      <a16:colId xmlns:a16="http://schemas.microsoft.com/office/drawing/2014/main" xmlns="" val="20000"/>
+                      <a16:colId xmlns:a16="http://schemas.microsoft.com/office/drawing/2014/main" val="20000"/>
                     </a:ext>
                   </a:extLst>
                 </a:gridCol>
                 <a:gridCol w="524172">
                   <a:extLst>
                     <a:ext uri="{9D8B030D-6E8A-4147-A177-3AD203B41FA5}">
-                      <a16:colId xmlns:a16="http://schemas.microsoft.com/office/drawing/2014/main" xmlns="" val="20001"/>
+                      <a16:colId xmlns:a16="http://schemas.microsoft.com/office/drawing/2014/main" val="20001"/>
                     </a:ext>
                   </a:extLst>
                 </a:gridCol>
                 <a:gridCol w="2554941">
                   <a:extLst>
                     <a:ext uri="{9D8B030D-6E8A-4147-A177-3AD203B41FA5}">
-                      <a16:colId xmlns:a16="http://schemas.microsoft.com/office/drawing/2014/main" xmlns="" val="20002"/>
+                      <a16:colId xmlns:a16="http://schemas.microsoft.com/office/drawing/2014/main" val="20002"/>
                     </a:ext>
                   </a:extLst>
                 </a:gridCol>
                 <a:gridCol w="2931459">
                   <a:extLst>
                     <a:ext uri="{9D8B030D-6E8A-4147-A177-3AD203B41FA5}">
-                      <a16:colId xmlns:a16="http://schemas.microsoft.com/office/drawing/2014/main" xmlns="" val="20003"/>
+                      <a16:colId xmlns:a16="http://schemas.microsoft.com/office/drawing/2014/main" val="20003"/>
                     </a:ext>
                   </a:extLst>
                 </a:gridCol>
@@ -4706,7 +4706,7 @@
                 </a:tc>
                 <a:extLst>
                   <a:ext uri="{0D108BD9-81ED-4DB2-BD59-A6C34878D82A}">
-                    <a16:rowId xmlns:a16="http://schemas.microsoft.com/office/drawing/2014/main" xmlns="" val="10000"/>
+                    <a16:rowId xmlns:a16="http://schemas.microsoft.com/office/drawing/2014/main" val="10000"/>
                   </a:ext>
                 </a:extLst>
               </a:tr>
@@ -4794,7 +4794,7 @@
                 </a:tc>
                 <a:extLst>
                   <a:ext uri="{0D108BD9-81ED-4DB2-BD59-A6C34878D82A}">
-                    <a16:rowId xmlns:a16="http://schemas.microsoft.com/office/drawing/2014/main" xmlns="" val="10001"/>
+                    <a16:rowId xmlns:a16="http://schemas.microsoft.com/office/drawing/2014/main" val="10001"/>
                   </a:ext>
                 </a:extLst>
               </a:tr>
@@ -4879,7 +4879,7 @@
                 </a:tc>
                 <a:extLst>
                   <a:ext uri="{0D108BD9-81ED-4DB2-BD59-A6C34878D82A}">
-                    <a16:rowId xmlns:a16="http://schemas.microsoft.com/office/drawing/2014/main" xmlns="" val="10002"/>
+                    <a16:rowId xmlns:a16="http://schemas.microsoft.com/office/drawing/2014/main" val="10002"/>
                   </a:ext>
                 </a:extLst>
               </a:tr>
@@ -4992,7 +4992,7 @@
                 </a:tc>
                 <a:extLst>
                   <a:ext uri="{0D108BD9-81ED-4DB2-BD59-A6C34878D82A}">
-                    <a16:rowId xmlns:a16="http://schemas.microsoft.com/office/drawing/2014/main" xmlns="" val="10003"/>
+                    <a16:rowId xmlns:a16="http://schemas.microsoft.com/office/drawing/2014/main" val="10003"/>
                   </a:ext>
                 </a:extLst>
               </a:tr>
@@ -6063,7 +6063,7 @@
           <p:cNvPr id="3" name="Rectangle 2">
             <a:extLst>
               <a:ext uri="{FF2B5EF4-FFF2-40B4-BE49-F238E27FC236}">
-                <a16:creationId xmlns:a16="http://schemas.microsoft.com/office/drawing/2014/main" xmlns="" id="{BF10EBF5-33CF-46C4-A3AE-ED7DE0772297}"/>
+                <a16:creationId xmlns:a16="http://schemas.microsoft.com/office/drawing/2014/main" id="{BF10EBF5-33CF-46C4-A3AE-ED7DE0772297}"/>
               </a:ext>
             </a:extLst>
           </p:cNvPr>
@@ -6135,10 +6135,10 @@
       </p:grpSpPr>
       <p:pic>
         <p:nvPicPr>
-          <p:cNvPr id="13" name="Billede 6" descr="picturea.png">
+          <p:cNvPr id="11" name="Picture 10">
             <a:extLst>
               <a:ext uri="{FF2B5EF4-FFF2-40B4-BE49-F238E27FC236}">
-                <a16:creationId xmlns:a16="http://schemas.microsoft.com/office/drawing/2014/main" xmlns="" id="{7E2D0F55-699F-4C37-89DF-6FD5E769A009}"/>
+                <a16:creationId xmlns:a16="http://schemas.microsoft.com/office/drawing/2014/main" id="{4B7D2F2F-8FC3-4E4C-957E-6D0850A7F19C}"/>
               </a:ext>
             </a:extLst>
           </p:cNvPr>
@@ -6161,6 +6161,42 @@
         </p:blipFill>
         <p:spPr>
           <a:xfrm>
+            <a:off x="618124" y="2496623"/>
+            <a:ext cx="7737214" cy="412328"/>
+          </a:xfrm>
+          <a:prstGeom prst="rect">
+            <a:avLst/>
+          </a:prstGeom>
+        </p:spPr>
+      </p:pic>
+      <p:pic>
+        <p:nvPicPr>
+          <p:cNvPr id="13" name="Billede 6" descr="picturea.png">
+            <a:extLst>
+              <a:ext uri="{FF2B5EF4-FFF2-40B4-BE49-F238E27FC236}">
+                <a16:creationId xmlns:a16="http://schemas.microsoft.com/office/drawing/2014/main" id="{7E2D0F55-699F-4C37-89DF-6FD5E769A009}"/>
+              </a:ext>
+            </a:extLst>
+          </p:cNvPr>
+          <p:cNvPicPr>
+            <a:picLocks noChangeAspect="1"/>
+          </p:cNvPicPr>
+          <p:nvPr/>
+        </p:nvPicPr>
+        <p:blipFill>
+          <a:blip r:embed="rId3">
+            <a:extLst>
+              <a:ext uri="{28A0092B-C50C-407E-A947-70E740481C1C}">
+                <a14:useLocalDpi xmlns:a14="http://schemas.microsoft.com/office/drawing/2010/main" val="0"/>
+              </a:ext>
+            </a:extLst>
+          </a:blip>
+          <a:stretch>
+            <a:fillRect/>
+          </a:stretch>
+        </p:blipFill>
+        <p:spPr>
+          <a:xfrm>
             <a:off x="2696205" y="3222763"/>
             <a:ext cx="3685566" cy="3098093"/>
           </a:xfrm>
@@ -6328,8 +6364,8 @@
           </p:cNvPicPr>
           <p:nvPr/>
         </p:nvPicPr>
-        <p:blipFill>
-          <a:blip r:embed="rId3">
+        <p:blipFill rotWithShape="1">
+          <a:blip r:embed="rId4">
             <a:clrChange>
               <a:clrFrom>
                 <a:srgbClr val="FFFFFF"/>
@@ -6346,14 +6382,13 @@
               </a:ext>
             </a:extLst>
           </a:blip>
-          <a:stretch>
-            <a:fillRect/>
-          </a:stretch>
+          <a:srcRect b="63508"/>
+          <a:stretch/>
         </p:blipFill>
         <p:spPr>
           <a:xfrm>
             <a:off x="722638" y="2067063"/>
-            <a:ext cx="7632700" cy="1155700"/>
+            <a:ext cx="7632700" cy="421740"/>
           </a:xfrm>
           <a:prstGeom prst="rect">
             <a:avLst/>
@@ -6365,7 +6400,7 @@
           <p:cNvPr id="15" name="Pladsholder til indhold 14" descr="pictureb.png">
             <a:extLst>
               <a:ext uri="{FF2B5EF4-FFF2-40B4-BE49-F238E27FC236}">
-                <a16:creationId xmlns:a16="http://schemas.microsoft.com/office/drawing/2014/main" xmlns="" id="{F02FDEC5-3847-44CB-91D9-7DA2EE162190}"/>
+                <a16:creationId xmlns:a16="http://schemas.microsoft.com/office/drawing/2014/main" id="{F02FDEC5-3847-44CB-91D9-7DA2EE162190}"/>
               </a:ext>
             </a:extLst>
           </p:cNvPr>
@@ -6375,7 +6410,7 @@
           <p:nvPr/>
         </p:nvPicPr>
         <p:blipFill>
-          <a:blip r:embed="rId4">
+          <a:blip r:embed="rId5">
             <a:extLst>
               <a:ext uri="{28A0092B-C50C-407E-A947-70E740481C1C}">
                 <a14:useLocalDpi xmlns:a14="http://schemas.microsoft.com/office/drawing/2010/main" val="0"/>
@@ -6389,7 +6424,7 @@
         </p:blipFill>
         <p:spPr>
           <a:xfrm>
-            <a:off x="-978184" y="1186088"/>
+            <a:off x="-885905" y="1253248"/>
             <a:ext cx="11034343" cy="5134768"/>
           </a:xfrm>
           <a:prstGeom prst="rect">
@@ -6406,11 +6441,11 @@
           <p:nvPr/>
         </p:nvPicPr>
         <p:blipFill>
-          <a:blip r:embed="rId5">
+          <a:blip r:embed="rId6">
             <a:extLst>
               <a:ext uri="{BEBA8EAE-BF5A-486C-A8C5-ECC9F3942E4B}">
                 <a14:imgProps xmlns:a14="http://schemas.microsoft.com/office/drawing/2010/main">
-                  <a14:imgLayer r:embed="rId6">
+                  <a14:imgLayer r:embed="rId7">
                     <a14:imgEffect>
                       <a14:backgroundRemoval t="10000" b="90000" l="10000" r="90000"/>
                     </a14:imgEffect>
@@ -6822,7 +6857,7 @@
           <p:cNvPr id="13" name="TextBox 12">
             <a:extLst>
               <a:ext uri="{FF2B5EF4-FFF2-40B4-BE49-F238E27FC236}">
-                <a16:creationId xmlns:a16="http://schemas.microsoft.com/office/drawing/2014/main" xmlns="" id="{382BB10C-A5EC-4207-8EA6-C91C07082EFA}"/>
+                <a16:creationId xmlns:a16="http://schemas.microsoft.com/office/drawing/2014/main" id="{382BB10C-A5EC-4207-8EA6-C91C07082EFA}"/>
               </a:ext>
             </a:extLst>
           </p:cNvPr>
@@ -6877,7 +6912,7 @@
           <p:cNvPr id="14" name="Billede 6" descr="picturea.png">
             <a:extLst>
               <a:ext uri="{FF2B5EF4-FFF2-40B4-BE49-F238E27FC236}">
-                <a16:creationId xmlns:a16="http://schemas.microsoft.com/office/drawing/2014/main" xmlns="" id="{2F5054E9-9DAB-44D7-A327-2D1AF05A7852}"/>
+                <a16:creationId xmlns:a16="http://schemas.microsoft.com/office/drawing/2014/main" id="{2F5054E9-9DAB-44D7-A327-2D1AF05A7852}"/>
               </a:ext>
             </a:extLst>
           </p:cNvPr>
@@ -7004,18 +7039,13 @@
           <a:p>
             <a:pPr algn="ctr"/>
             <a:r>
-              <a:rPr lang="en-US" dirty="0" smtClean="0">
+              <a:rPr lang="en-US" dirty="0">
                 <a:solidFill>
                   <a:schemeClr val="accent6"/>
                 </a:solidFill>
               </a:rPr>
               <a:t>Extended</a:t>
             </a:r>
-            <a:endParaRPr lang="en-US" dirty="0">
-              <a:solidFill>
-                <a:schemeClr val="accent6"/>
-              </a:solidFill>
-            </a:endParaRPr>
           </a:p>
           <a:p>
             <a:pPr algn="ctr"/>
@@ -7180,7 +7210,7 @@
           <p:cNvPr id="6" name="Pladsholder til indhold 2">
             <a:extLst>
               <a:ext uri="{FF2B5EF4-FFF2-40B4-BE49-F238E27FC236}">
-                <a16:creationId xmlns:a16="http://schemas.microsoft.com/office/drawing/2014/main" xmlns="" id="{E8763CFA-FD70-4300-BEF8-05D0A4389FF7}"/>
+                <a16:creationId xmlns:a16="http://schemas.microsoft.com/office/drawing/2014/main" id="{E8763CFA-FD70-4300-BEF8-05D0A4389FF7}"/>
               </a:ext>
             </a:extLst>
           </p:cNvPr>
